--- a/報告區/專研報告/及時專案管理執行appr討論20170329.pptx
+++ b/報告區/專研報告/及時專案管理執行appr討論20170329.pptx
@@ -114,6 +114,11 @@
       </a:defRPr>
     </a:lvl9pPr>
   </p:defaultTextStyle>
+  <p:extLst>
+    <p:ext uri="{EFAFB233-063F-42B5-8137-9DF3F51BA10A}">
+      <p15:sldGuideLst xmlns:p15="http://schemas.microsoft.com/office/powerpoint/2012/main"/>
+    </p:ext>
+  </p:extLst>
 </p:presentation>
 </file>
 
@@ -2011,7 +2016,6 @@
             <a:rPr lang="zh-TW" altLang="en-US" dirty="0"/>
             <a:t>展示規劃</a:t>
           </a:r>
-          <a:endParaRPr lang="zh-TW" altLang="en-US" dirty="0"/>
         </a:p>
       </dgm:t>
     </dgm:pt>
@@ -2674,9 +2678,8 @@
         <a:p>
           <a:r>
             <a:rPr lang="zh-TW" altLang="en-US" dirty="0"/>
-            <a:t>這個禮拜的學習分享 或者是 進度的貢獻報告，因此開會前每個人都需要準備報告。</a:t>
+            <a:t>這個禮拜的學習分享 或者是 進度的貢獻報告，因此開會前每個人都需要準備報告</a:t>
           </a:r>
-          <a:endParaRPr lang="zh-TW" altLang="en-US" dirty="0"/>
         </a:p>
       </dgm:t>
     </dgm:pt>
@@ -2726,7 +2729,7 @@
           </a:r>
           <a:r>
             <a:rPr lang="zh-TW" altLang="en-US" b="0" dirty="0"/>
-            <a:t>進行適度地討論與解決。</a:t>
+            <a:t>進行適度地討論與解決</a:t>
           </a:r>
           <a:endParaRPr lang="en-US" altLang="zh-TW" b="0" dirty="0"/>
         </a:p>
@@ -2777,7 +2780,7 @@
           </a:r>
           <a:r>
             <a:rPr lang="en-US" altLang="zh-TW" b="0" dirty="0"/>
-            <a:t>Brainstorm!</a:t>
+            <a:t>Brainstorm</a:t>
           </a:r>
           <a:endParaRPr lang="zh-TW" altLang="en-US" b="0" dirty="0"/>
         </a:p>
@@ -2821,7 +2824,7 @@
         <a:p>
           <a:r>
             <a:rPr lang="zh-TW" altLang="en-US" b="0" dirty="0"/>
-            <a:t>針對下個禮拜之前的進度進行詳細指派動作以及規劃。</a:t>
+            <a:t>針對下個禮拜之前的進度進行詳細指派動作以及規劃</a:t>
           </a:r>
         </a:p>
       </dgm:t>
@@ -3616,7 +3619,6 @@
             <a:rPr lang="zh-TW" altLang="en-US" sz="2900" kern="1200" dirty="0"/>
             <a:t>展示規劃</a:t>
           </a:r>
-          <a:endParaRPr lang="zh-TW" altLang="en-US" sz="2900" kern="1200" dirty="0"/>
         </a:p>
       </dsp:txBody>
       <dsp:txXfrm>
@@ -3896,9 +3898,8 @@
           </a:pPr>
           <a:r>
             <a:rPr lang="zh-TW" altLang="en-US" sz="1900" kern="1200" dirty="0"/>
-            <a:t>這個禮拜的學習分享 或者是 進度的貢獻報告，因此開會前每個人都需要準備報告。</a:t>
+            <a:t>這個禮拜的學習分享 或者是 進度的貢獻報告，因此開會前每個人都需要準備報告</a:t>
           </a:r>
-          <a:endParaRPr lang="zh-TW" altLang="en-US" sz="1900" kern="1200" dirty="0"/>
         </a:p>
       </dsp:txBody>
       <dsp:txXfrm>
@@ -4038,7 +4039,7 @@
           </a:r>
           <a:r>
             <a:rPr lang="zh-TW" altLang="en-US" sz="1900" b="0" kern="1200" dirty="0"/>
-            <a:t>進行適度地討論與解決。</a:t>
+            <a:t>進行適度地討論與解決</a:t>
           </a:r>
           <a:endParaRPr lang="en-US" altLang="zh-TW" sz="1900" b="0" kern="1200" dirty="0"/>
         </a:p>
@@ -4191,7 +4192,7 @@
           </a:r>
           <a:r>
             <a:rPr lang="en-US" altLang="zh-TW" sz="1900" b="0" kern="1200" dirty="0"/>
-            <a:t>Brainstorm!</a:t>
+            <a:t>Brainstorm</a:t>
           </a:r>
           <a:endParaRPr lang="zh-TW" altLang="en-US" sz="1900" b="0" kern="1200" dirty="0"/>
         </a:p>
@@ -4325,7 +4326,7 @@
           </a:pPr>
           <a:r>
             <a:rPr lang="zh-TW" altLang="en-US" sz="1900" b="0" kern="1200" dirty="0"/>
-            <a:t>針對下個禮拜之前的進度進行詳細指派動作以及規劃。</a:t>
+            <a:t>針對下個禮拜之前的進度進行詳細指派動作以及規劃</a:t>
           </a:r>
         </a:p>
       </dsp:txBody>
@@ -7011,7 +7012,7 @@
           <a:p>
             <a:fld id="{48A87A34-81AB-432B-8DAE-1953F412C126}" type="datetimeFigureOut">
               <a:rPr lang="en-US" dirty="0"/>
-              <a:t>3/29/2017</a:t>
+              <a:t>4/12/2017</a:t>
             </a:fld>
             <a:endParaRPr lang="en-US" dirty="0"/>
           </a:p>
@@ -7293,7 +7294,7 @@
           <a:p>
             <a:fld id="{48A87A34-81AB-432B-8DAE-1953F412C126}" type="datetimeFigureOut">
               <a:rPr lang="en-US" dirty="0"/>
-              <a:t>3/29/2017</a:t>
+              <a:t>4/12/2017</a:t>
             </a:fld>
             <a:endParaRPr lang="en-US" dirty="0"/>
           </a:p>
@@ -7480,7 +7481,7 @@
           <a:p>
             <a:fld id="{48A87A34-81AB-432B-8DAE-1953F412C126}" type="datetimeFigureOut">
               <a:rPr lang="en-US" dirty="0"/>
-              <a:t>3/29/2017</a:t>
+              <a:t>4/12/2017</a:t>
             </a:fld>
             <a:endParaRPr lang="en-US" dirty="0"/>
           </a:p>
@@ -7736,7 +7737,7 @@
           <a:p>
             <a:fld id="{48A87A34-81AB-432B-8DAE-1953F412C126}" type="datetimeFigureOut">
               <a:rPr lang="en-US" dirty="0"/>
-              <a:t>3/29/2017</a:t>
+              <a:t>4/12/2017</a:t>
             </a:fld>
             <a:endParaRPr lang="en-US" dirty="0"/>
           </a:p>
@@ -8155,7 +8156,7 @@
           <a:p>
             <a:fld id="{48A87A34-81AB-432B-8DAE-1953F412C126}" type="datetimeFigureOut">
               <a:rPr lang="en-US" dirty="0"/>
-              <a:t>3/29/2017</a:t>
+              <a:t>4/12/2017</a:t>
             </a:fld>
             <a:endParaRPr lang="en-US" dirty="0"/>
           </a:p>
@@ -8696,7 +8697,7 @@
           <a:p>
             <a:fld id="{48A87A34-81AB-432B-8DAE-1953F412C126}" type="datetimeFigureOut">
               <a:rPr lang="en-US" dirty="0"/>
-              <a:t>3/29/2017</a:t>
+              <a:t>4/12/2017</a:t>
             </a:fld>
             <a:endParaRPr lang="en-US" dirty="0"/>
           </a:p>
@@ -9531,7 +9532,7 @@
           <a:p>
             <a:fld id="{48A87A34-81AB-432B-8DAE-1953F412C126}" type="datetimeFigureOut">
               <a:rPr lang="en-US" dirty="0"/>
-              <a:t>3/29/2017</a:t>
+              <a:t>4/12/2017</a:t>
             </a:fld>
             <a:endParaRPr lang="en-US" dirty="0"/>
           </a:p>
@@ -9696,7 +9697,7 @@
           <a:p>
             <a:fld id="{48A87A34-81AB-432B-8DAE-1953F412C126}" type="datetimeFigureOut">
               <a:rPr lang="en-US" dirty="0"/>
-              <a:t>3/29/2017</a:t>
+              <a:t>4/12/2017</a:t>
             </a:fld>
             <a:endParaRPr lang="en-US" dirty="0"/>
           </a:p>
@@ -9875,7 +9876,7 @@
           <a:p>
             <a:fld id="{48A87A34-81AB-432B-8DAE-1953F412C126}" type="datetimeFigureOut">
               <a:rPr lang="en-US" dirty="0"/>
-              <a:t>3/29/2017</a:t>
+              <a:t>4/12/2017</a:t>
             </a:fld>
             <a:endParaRPr lang="en-US" dirty="0"/>
           </a:p>
@@ -10040,7 +10041,7 @@
           <a:p>
             <a:fld id="{48A87A34-81AB-432B-8DAE-1953F412C126}" type="datetimeFigureOut">
               <a:rPr lang="en-US" dirty="0"/>
-              <a:t>3/29/2017</a:t>
+              <a:t>4/12/2017</a:t>
             </a:fld>
             <a:endParaRPr lang="en-US" dirty="0"/>
           </a:p>
@@ -10283,7 +10284,7 @@
           <a:p>
             <a:fld id="{48A87A34-81AB-432B-8DAE-1953F412C126}" type="datetimeFigureOut">
               <a:rPr lang="en-US" dirty="0"/>
-              <a:t>3/29/2017</a:t>
+              <a:t>4/12/2017</a:t>
             </a:fld>
             <a:endParaRPr lang="en-US" dirty="0"/>
           </a:p>
@@ -10515,7 +10516,7 @@
           <a:p>
             <a:fld id="{48A87A34-81AB-432B-8DAE-1953F412C126}" type="datetimeFigureOut">
               <a:rPr lang="en-US" dirty="0"/>
-              <a:t>3/29/2017</a:t>
+              <a:t>4/12/2017</a:t>
             </a:fld>
             <a:endParaRPr lang="en-US" dirty="0"/>
           </a:p>
@@ -10883,7 +10884,7 @@
           <a:p>
             <a:fld id="{48A87A34-81AB-432B-8DAE-1953F412C126}" type="datetimeFigureOut">
               <a:rPr lang="en-US" dirty="0"/>
-              <a:t>3/29/2017</a:t>
+              <a:t>4/12/2017</a:t>
             </a:fld>
             <a:endParaRPr lang="en-US" dirty="0"/>
           </a:p>
@@ -10996,7 +10997,7 @@
           <a:p>
             <a:fld id="{48A87A34-81AB-432B-8DAE-1953F412C126}" type="datetimeFigureOut">
               <a:rPr lang="en-US" dirty="0"/>
-              <a:t>3/29/2017</a:t>
+              <a:t>4/12/2017</a:t>
             </a:fld>
             <a:endParaRPr lang="en-US" dirty="0"/>
           </a:p>
@@ -11086,7 +11087,7 @@
           <a:p>
             <a:fld id="{48A87A34-81AB-432B-8DAE-1953F412C126}" type="datetimeFigureOut">
               <a:rPr lang="en-US" dirty="0"/>
-              <a:t>3/29/2017</a:t>
+              <a:t>4/12/2017</a:t>
             </a:fld>
             <a:endParaRPr lang="en-US" dirty="0"/>
           </a:p>
@@ -11332,7 +11333,7 @@
           <a:p>
             <a:fld id="{48A87A34-81AB-432B-8DAE-1953F412C126}" type="datetimeFigureOut">
               <a:rPr lang="en-US" dirty="0"/>
-              <a:t>3/29/2017</a:t>
+              <a:t>4/12/2017</a:t>
             </a:fld>
             <a:endParaRPr lang="en-US" dirty="0"/>
           </a:p>
@@ -11614,7 +11615,7 @@
           <a:p>
             <a:fld id="{48A87A34-81AB-432B-8DAE-1953F412C126}" type="datetimeFigureOut">
               <a:rPr lang="en-US" dirty="0"/>
-              <a:t>3/29/2017</a:t>
+              <a:t>4/12/2017</a:t>
             </a:fld>
             <a:endParaRPr lang="en-US" dirty="0"/>
           </a:p>
@@ -11823,7 +11824,7 @@
             <a:fld id="{48A87A34-81AB-432B-8DAE-1953F412C126}" type="datetimeFigureOut">
               <a:rPr lang="en-US" dirty="0"/>
               <a:pPr/>
-              <a:t>3/29/2017</a:t>
+              <a:t>4/12/2017</a:t>
             </a:fld>
             <a:endParaRPr lang="en-US" dirty="0"/>
           </a:p>
@@ -12435,7 +12436,7 @@
           <p:nvPr>
             <p:extLst>
               <p:ext uri="{D42A27DB-BD31-4B8C-83A1-F6EECF244321}">
-                <p14:modId xmlns:p14="http://schemas.microsoft.com/office/powerpoint/2010/main" val="3208222772"/>
+                <p14:modId xmlns:p14="http://schemas.microsoft.com/office/powerpoint/2010/main" val="2100773855"/>
               </p:ext>
             </p:extLst>
           </p:nvPr>
